--- a/powerPoint IBM.pptx
+++ b/powerPoint IBM.pptx
@@ -289,7 +289,7 @@
           <a:p>
             <a:fld id="{48A87A34-81AB-432B-8DAE-1953F412C126}" type="datetimeFigureOut">
               <a:rPr lang="en-US" dirty="0"/>
-              <a:t>3/16/2021</a:t>
+              <a:t>3/22/2021</a:t>
             </a:fld>
             <a:endParaRPr lang="en-US" dirty="0"/>
           </a:p>
@@ -596,7 +596,7 @@
           <a:p>
             <a:fld id="{48A87A34-81AB-432B-8DAE-1953F412C126}" type="datetimeFigureOut">
               <a:rPr lang="en-US" dirty="0"/>
-              <a:t>3/16/2021</a:t>
+              <a:t>3/22/2021</a:t>
             </a:fld>
             <a:endParaRPr lang="en-US" dirty="0"/>
           </a:p>
@@ -813,7 +813,7 @@
           <a:p>
             <a:fld id="{48A87A34-81AB-432B-8DAE-1953F412C126}" type="datetimeFigureOut">
               <a:rPr lang="en-US" dirty="0"/>
-              <a:t>3/16/2021</a:t>
+              <a:t>3/22/2021</a:t>
             </a:fld>
             <a:endParaRPr lang="en-US" dirty="0"/>
           </a:p>
@@ -1099,7 +1099,7 @@
           <a:p>
             <a:fld id="{48A87A34-81AB-432B-8DAE-1953F412C126}" type="datetimeFigureOut">
               <a:rPr lang="en-US" dirty="0"/>
-              <a:t>3/16/2021</a:t>
+              <a:t>3/22/2021</a:t>
             </a:fld>
             <a:endParaRPr lang="en-US" dirty="0"/>
           </a:p>
@@ -1548,7 +1548,7 @@
           <a:p>
             <a:fld id="{48A87A34-81AB-432B-8DAE-1953F412C126}" type="datetimeFigureOut">
               <a:rPr lang="en-US" dirty="0"/>
-              <a:t>3/16/2021</a:t>
+              <a:t>3/22/2021</a:t>
             </a:fld>
             <a:endParaRPr lang="en-US" dirty="0"/>
           </a:p>
@@ -2119,7 +2119,7 @@
           <a:p>
             <a:fld id="{48A87A34-81AB-432B-8DAE-1953F412C126}" type="datetimeFigureOut">
               <a:rPr lang="en-US" dirty="0"/>
-              <a:t>3/16/2021</a:t>
+              <a:t>3/22/2021</a:t>
             </a:fld>
             <a:endParaRPr lang="en-US" dirty="0"/>
           </a:p>
@@ -2966,7 +2966,7 @@
           <a:p>
             <a:fld id="{48A87A34-81AB-432B-8DAE-1953F412C126}" type="datetimeFigureOut">
               <a:rPr lang="en-US" dirty="0"/>
-              <a:t>3/16/2021</a:t>
+              <a:t>3/22/2021</a:t>
             </a:fld>
             <a:endParaRPr lang="en-US" dirty="0"/>
           </a:p>
@@ -3166,7 +3166,7 @@
           <a:p>
             <a:fld id="{48A87A34-81AB-432B-8DAE-1953F412C126}" type="datetimeFigureOut">
               <a:rPr lang="en-US" dirty="0"/>
-              <a:t>3/16/2021</a:t>
+              <a:t>3/22/2021</a:t>
             </a:fld>
             <a:endParaRPr lang="en-US" dirty="0"/>
           </a:p>
@@ -3375,7 +3375,7 @@
           <a:p>
             <a:fld id="{48A87A34-81AB-432B-8DAE-1953F412C126}" type="datetimeFigureOut">
               <a:rPr lang="en-US" dirty="0"/>
-              <a:t>3/16/2021</a:t>
+              <a:t>3/22/2021</a:t>
             </a:fld>
             <a:endParaRPr lang="en-US" dirty="0"/>
           </a:p>
@@ -3575,7 +3575,7 @@
           <a:p>
             <a:fld id="{48A87A34-81AB-432B-8DAE-1953F412C126}" type="datetimeFigureOut">
               <a:rPr lang="en-US" dirty="0"/>
-              <a:t>3/16/2021</a:t>
+              <a:t>3/22/2021</a:t>
             </a:fld>
             <a:endParaRPr lang="en-US" dirty="0"/>
           </a:p>
@@ -3850,7 +3850,7 @@
           <a:p>
             <a:fld id="{48A87A34-81AB-432B-8DAE-1953F412C126}" type="datetimeFigureOut">
               <a:rPr lang="en-US" dirty="0"/>
-              <a:t>3/16/2021</a:t>
+              <a:t>3/22/2021</a:t>
             </a:fld>
             <a:endParaRPr lang="en-US" dirty="0"/>
           </a:p>
@@ -4112,7 +4112,7 @@
           <a:p>
             <a:fld id="{48A87A34-81AB-432B-8DAE-1953F412C126}" type="datetimeFigureOut">
               <a:rPr lang="en-US" dirty="0"/>
-              <a:t>3/16/2021</a:t>
+              <a:t>3/22/2021</a:t>
             </a:fld>
             <a:endParaRPr lang="en-US" dirty="0"/>
           </a:p>
@@ -4522,7 +4522,7 @@
           <a:p>
             <a:fld id="{48A87A34-81AB-432B-8DAE-1953F412C126}" type="datetimeFigureOut">
               <a:rPr lang="en-US" dirty="0"/>
-              <a:t>3/16/2021</a:t>
+              <a:t>3/22/2021</a:t>
             </a:fld>
             <a:endParaRPr lang="en-US" dirty="0"/>
           </a:p>
@@ -4665,7 +4665,7 @@
           <a:p>
             <a:fld id="{48A87A34-81AB-432B-8DAE-1953F412C126}" type="datetimeFigureOut">
               <a:rPr lang="en-US" dirty="0"/>
-              <a:t>3/16/2021</a:t>
+              <a:t>3/22/2021</a:t>
             </a:fld>
             <a:endParaRPr lang="en-US" dirty="0"/>
           </a:p>
@@ -4785,7 +4785,7 @@
           <a:p>
             <a:fld id="{48A87A34-81AB-432B-8DAE-1953F412C126}" type="datetimeFigureOut">
               <a:rPr lang="en-US" dirty="0"/>
-              <a:t>3/16/2021</a:t>
+              <a:t>3/22/2021</a:t>
             </a:fld>
             <a:endParaRPr lang="en-US" dirty="0"/>
           </a:p>
@@ -5059,7 +5059,7 @@
           <a:p>
             <a:fld id="{48A87A34-81AB-432B-8DAE-1953F412C126}" type="datetimeFigureOut">
               <a:rPr lang="en-US" dirty="0"/>
-              <a:t>3/16/2021</a:t>
+              <a:t>3/22/2021</a:t>
             </a:fld>
             <a:endParaRPr lang="en-US" dirty="0"/>
           </a:p>
@@ -5366,7 +5366,7 @@
           <a:p>
             <a:fld id="{48A87A34-81AB-432B-8DAE-1953F412C126}" type="datetimeFigureOut">
               <a:rPr lang="en-US" dirty="0"/>
-              <a:t>3/16/2021</a:t>
+              <a:t>3/22/2021</a:t>
             </a:fld>
             <a:endParaRPr lang="en-US" dirty="0"/>
           </a:p>
@@ -5615,7 +5615,7 @@
             <a:fld id="{48A87A34-81AB-432B-8DAE-1953F412C126}" type="datetimeFigureOut">
               <a:rPr lang="en-US" dirty="0"/>
               <a:pPr/>
-              <a:t>3/16/2021</a:t>
+              <a:t>3/22/2021</a:t>
             </a:fld>
             <a:endParaRPr lang="en-US" dirty="0"/>
           </a:p>
@@ -6065,18 +6065,19 @@
             <p:ph type="ctrTitle"/>
           </p:nvPr>
         </p:nvSpPr>
-        <p:spPr/>
-        <p:txBody>
-          <a:bodyPr/>
-          <a:lstStyle/>
-          <a:p>
-            <a:r>
-              <a:rPr lang="en-US" dirty="0"/>
-              <a:t> </a:t>
-            </a:r>
+        <p:spPr>
+          <a:xfrm>
+            <a:off x="1814623" y="370482"/>
+            <a:ext cx="8689976" cy="2509213"/>
+          </a:xfrm>
+        </p:spPr>
+        <p:txBody>
+          <a:bodyPr/>
+          <a:lstStyle/>
+          <a:p>
             <a:r>
               <a:rPr lang="en-US" sz="2800" b="1" dirty="0"/>
-              <a:t>Advanced Data Science with IBM Specialization</a:t>
+              <a:t>Advanced Data Science with IBM </a:t>
             </a:r>
             <a:endParaRPr lang="en-US" sz="2800" dirty="0"/>
           </a:p>
@@ -6092,33 +6093,49 @@
             <p:ph type="subTitle" idx="1"/>
           </p:nvPr>
         </p:nvSpPr>
-        <p:spPr/>
+        <p:spPr>
+          <a:xfrm>
+            <a:off x="906449" y="3331598"/>
+            <a:ext cx="10257182" cy="1926202"/>
+          </a:xfrm>
+        </p:spPr>
         <p:txBody>
           <a:bodyPr>
-            <a:normAutofit fontScale="47500" lnSpcReduction="20000"/>
+            <a:normAutofit fontScale="62500" lnSpcReduction="20000"/>
           </a:bodyPr>
           <a:lstStyle/>
           <a:p>
             <a:r>
+              <a:rPr lang="en-US" sz="4200" b="1" dirty="0">
+                <a:solidFill>
+                  <a:schemeClr val="tx2">
+                    <a:lumMod val="50000"/>
+                  </a:schemeClr>
+                </a:solidFill>
+              </a:rPr>
+              <a:t>Customer demographics and sales </a:t>
+            </a:r>
+          </a:p>
+          <a:p>
+            <a:r>
+              <a:rPr lang="en-US" sz="4200" b="1" dirty="0">
+                <a:solidFill>
+                  <a:schemeClr val="tx2">
+                    <a:lumMod val="50000"/>
+                  </a:schemeClr>
+                </a:solidFill>
+              </a:rPr>
+              <a:t>in THE United States</a:t>
+            </a:r>
+          </a:p>
+          <a:p>
+            <a:endParaRPr lang="en-US" b="1" dirty="0"/>
+          </a:p>
+          <a:p>
+            <a:r>
               <a:rPr lang="en-US" b="1" dirty="0"/>
-              <a:t>Customer demographics and sales </a:t>
-            </a:r>
-          </a:p>
-          <a:p>
-            <a:r>
-              <a:rPr lang="en-US" b="1" dirty="0"/>
-              <a:t>in THE United States</a:t>
-            </a:r>
-          </a:p>
-          <a:p>
-            <a:endParaRPr lang="en-US" b="1" dirty="0"/>
-          </a:p>
-          <a:p>
-            <a:r>
-              <a:rPr lang="en-US" b="1"/>
               <a:t>VIDEO https://rumble.com/veq9tr-advanced-data-science-with-ibmspecialization-monica-bustamante-.html</a:t>
             </a:r>
-            <a:endParaRPr lang="en-US" b="1" dirty="0"/>
           </a:p>
           <a:p>
             <a:endParaRPr lang="en-US" dirty="0"/>
@@ -6326,7 +6343,7 @@
             <a:pPr algn="ctr"/>
             <a:r>
               <a:rPr lang="en-US" dirty="0"/>
-              <a:t>By gender</a:t>
+              <a:t>By credit card type</a:t>
             </a:r>
           </a:p>
         </p:txBody>
